--- a/lec/anninbon4.pptx
+++ b/lec/anninbon4.pptx
@@ -1496,7 +1496,7 @@
             </a:fld>
             <a:r>
               <a:rPr lang="en-US" altLang="ja-JP"/>
-              <a:t> / 69</a:t>
+              <a:t> / 24</a:t>
             </a:r>
           </a:p>
         </p:txBody>
@@ -2543,48 +2543,6 @@
       </p:sp>
       <p:sp>
         <p:nvSpPr>
-          <p:cNvPr id="3" name="スライド番号プレースホルダー 2">
-            <a:extLst>
-              <a:ext uri="{FF2B5EF4-FFF2-40B4-BE49-F238E27FC236}">
-                <a16:creationId xmlns:a16="http://schemas.microsoft.com/office/drawing/2014/main" id="{D0785783-0F7E-4922-85F0-E2241E14E9EB}"/>
-              </a:ext>
-            </a:extLst>
-          </p:cNvPr>
-          <p:cNvSpPr>
-            <a:spLocks noGrp="1"/>
-          </p:cNvSpPr>
-          <p:nvPr>
-            <p:ph type="sldNum" sz="quarter" idx="12"/>
-          </p:nvPr>
-        </p:nvSpPr>
-        <p:spPr/>
-        <p:txBody>
-          <a:bodyPr/>
-          <a:lstStyle/>
-          <a:p>
-            <a:pPr>
-              <a:defRPr/>
-            </a:pPr>
-            <a:r>
-              <a:rPr lang="en-US" altLang="ja-JP"/>
-              <a:t>    </a:t>
-            </a:r>
-            <a:fld id="{B2782DEB-472A-4FE5-AC34-C17109CF5A91}" type="slidenum">
-              <a:rPr lang="en-US" altLang="ja-JP" smtClean="0"/>
-              <a:pPr>
-                <a:defRPr/>
-              </a:pPr>
-              <a:t>10</a:t>
-            </a:fld>
-            <a:r>
-              <a:rPr lang="en-US" altLang="ja-JP"/>
-              <a:t> / 69</a:t>
-            </a:r>
-          </a:p>
-        </p:txBody>
-      </p:sp>
-      <p:sp>
-        <p:nvSpPr>
           <p:cNvPr id="4" name="タイトル 3">
             <a:extLst>
               <a:ext uri="{FF2B5EF4-FFF2-40B4-BE49-F238E27FC236}">
@@ -2656,6 +2614,48 @@
           </a:prstGeom>
         </p:spPr>
       </p:pic>
+      <p:sp>
+        <p:nvSpPr>
+          <p:cNvPr id="5" name="スライド番号プレースホルダー 4">
+            <a:extLst>
+              <a:ext uri="{FF2B5EF4-FFF2-40B4-BE49-F238E27FC236}">
+                <a16:creationId xmlns:a16="http://schemas.microsoft.com/office/drawing/2014/main" id="{35266EF8-5DA2-42B9-AA7D-78325E4F5E10}"/>
+              </a:ext>
+            </a:extLst>
+          </p:cNvPr>
+          <p:cNvSpPr>
+            <a:spLocks noGrp="1"/>
+          </p:cNvSpPr>
+          <p:nvPr>
+            <p:ph type="sldNum" sz="quarter" idx="12"/>
+          </p:nvPr>
+        </p:nvSpPr>
+        <p:spPr/>
+        <p:txBody>
+          <a:bodyPr/>
+          <a:lstStyle/>
+          <a:p>
+            <a:pPr>
+              <a:defRPr/>
+            </a:pPr>
+            <a:r>
+              <a:rPr lang="en-US" altLang="ja-JP"/>
+              <a:t>    </a:t>
+            </a:r>
+            <a:fld id="{B2782DEB-472A-4FE5-AC34-C17109CF5A91}" type="slidenum">
+              <a:rPr lang="en-US" altLang="ja-JP" smtClean="0"/>
+              <a:pPr>
+                <a:defRPr/>
+              </a:pPr>
+              <a:t>10</a:t>
+            </a:fld>
+            <a:r>
+              <a:rPr lang="en-US" altLang="ja-JP"/>
+              <a:t> / 24</a:t>
+            </a:r>
+          </a:p>
+        </p:txBody>
+      </p:sp>
     </p:spTree>
     <p:extLst>
       <p:ext uri="{BB962C8B-B14F-4D97-AF65-F5344CB8AC3E}">
@@ -2744,48 +2744,6 @@
               <a:t>などでも持っていることがある</a:t>
             </a:r>
             <a:endParaRPr kumimoji="1" lang="ja-JP" altLang="en-US"/>
-          </a:p>
-        </p:txBody>
-      </p:sp>
-      <p:sp>
-        <p:nvSpPr>
-          <p:cNvPr id="3" name="スライド番号プレースホルダー 2">
-            <a:extLst>
-              <a:ext uri="{FF2B5EF4-FFF2-40B4-BE49-F238E27FC236}">
-                <a16:creationId xmlns:a16="http://schemas.microsoft.com/office/drawing/2014/main" id="{C8472925-0CA7-4F29-917B-B2CB38C53833}"/>
-              </a:ext>
-            </a:extLst>
-          </p:cNvPr>
-          <p:cNvSpPr>
-            <a:spLocks noGrp="1"/>
-          </p:cNvSpPr>
-          <p:nvPr>
-            <p:ph type="sldNum" sz="quarter" idx="12"/>
-          </p:nvPr>
-        </p:nvSpPr>
-        <p:spPr/>
-        <p:txBody>
-          <a:bodyPr/>
-          <a:lstStyle/>
-          <a:p>
-            <a:pPr>
-              <a:defRPr/>
-            </a:pPr>
-            <a:r>
-              <a:rPr lang="en-US" altLang="ja-JP"/>
-              <a:t>    </a:t>
-            </a:r>
-            <a:fld id="{B2782DEB-472A-4FE5-AC34-C17109CF5A91}" type="slidenum">
-              <a:rPr lang="en-US" altLang="ja-JP" smtClean="0"/>
-              <a:pPr>
-                <a:defRPr/>
-              </a:pPr>
-              <a:t>11</a:t>
-            </a:fld>
-            <a:r>
-              <a:rPr lang="en-US" altLang="ja-JP"/>
-              <a:t> / 69</a:t>
-            </a:r>
           </a:p>
         </p:txBody>
       </p:sp>
@@ -3123,6 +3081,48 @@
           </a:graphicData>
         </a:graphic>
       </p:graphicFrame>
+      <p:sp>
+        <p:nvSpPr>
+          <p:cNvPr id="6" name="スライド番号プレースホルダー 5">
+            <a:extLst>
+              <a:ext uri="{FF2B5EF4-FFF2-40B4-BE49-F238E27FC236}">
+                <a16:creationId xmlns:a16="http://schemas.microsoft.com/office/drawing/2014/main" id="{D57358CE-DFF3-41B0-8DCF-F7F62B7C542D}"/>
+              </a:ext>
+            </a:extLst>
+          </p:cNvPr>
+          <p:cNvSpPr>
+            <a:spLocks noGrp="1"/>
+          </p:cNvSpPr>
+          <p:nvPr>
+            <p:ph type="sldNum" sz="quarter" idx="12"/>
+          </p:nvPr>
+        </p:nvSpPr>
+        <p:spPr/>
+        <p:txBody>
+          <a:bodyPr/>
+          <a:lstStyle/>
+          <a:p>
+            <a:pPr>
+              <a:defRPr/>
+            </a:pPr>
+            <a:r>
+              <a:rPr lang="en-US" altLang="ja-JP"/>
+              <a:t>    </a:t>
+            </a:r>
+            <a:fld id="{B2782DEB-472A-4FE5-AC34-C17109CF5A91}" type="slidenum">
+              <a:rPr lang="en-US" altLang="ja-JP" smtClean="0"/>
+              <a:pPr>
+                <a:defRPr/>
+              </a:pPr>
+              <a:t>11</a:t>
+            </a:fld>
+            <a:r>
+              <a:rPr lang="en-US" altLang="ja-JP"/>
+              <a:t> / 24</a:t>
+            </a:r>
+          </a:p>
+        </p:txBody>
+      </p:sp>
     </p:spTree>
     <p:extLst>
       <p:ext uri="{BB962C8B-B14F-4D97-AF65-F5344CB8AC3E}">
@@ -3230,48 +3230,6 @@
       </p:sp>
       <p:sp>
         <p:nvSpPr>
-          <p:cNvPr id="3" name="スライド番号プレースホルダー 2">
-            <a:extLst>
-              <a:ext uri="{FF2B5EF4-FFF2-40B4-BE49-F238E27FC236}">
-                <a16:creationId xmlns:a16="http://schemas.microsoft.com/office/drawing/2014/main" id="{64CDDE42-D47C-4C28-8074-56705FEDDB74}"/>
-              </a:ext>
-            </a:extLst>
-          </p:cNvPr>
-          <p:cNvSpPr>
-            <a:spLocks noGrp="1"/>
-          </p:cNvSpPr>
-          <p:nvPr>
-            <p:ph type="sldNum" sz="quarter" idx="12"/>
-          </p:nvPr>
-        </p:nvSpPr>
-        <p:spPr/>
-        <p:txBody>
-          <a:bodyPr/>
-          <a:lstStyle/>
-          <a:p>
-            <a:pPr>
-              <a:defRPr/>
-            </a:pPr>
-            <a:r>
-              <a:rPr lang="en-US" altLang="ja-JP"/>
-              <a:t>    </a:t>
-            </a:r>
-            <a:fld id="{B2782DEB-472A-4FE5-AC34-C17109CF5A91}" type="slidenum">
-              <a:rPr lang="en-US" altLang="ja-JP" smtClean="0"/>
-              <a:pPr>
-                <a:defRPr/>
-              </a:pPr>
-              <a:t>12</a:t>
-            </a:fld>
-            <a:r>
-              <a:rPr lang="en-US" altLang="ja-JP"/>
-              <a:t> / 69</a:t>
-            </a:r>
-          </a:p>
-        </p:txBody>
-      </p:sp>
-      <p:sp>
-        <p:nvSpPr>
           <p:cNvPr id="4" name="タイトル 3">
             <a:extLst>
               <a:ext uri="{FF2B5EF4-FFF2-40B4-BE49-F238E27FC236}">
@@ -3334,6 +3292,48 @@
           </a:prstGeom>
         </p:spPr>
       </p:pic>
+      <p:sp>
+        <p:nvSpPr>
+          <p:cNvPr id="5" name="スライド番号プレースホルダー 4">
+            <a:extLst>
+              <a:ext uri="{FF2B5EF4-FFF2-40B4-BE49-F238E27FC236}">
+                <a16:creationId xmlns:a16="http://schemas.microsoft.com/office/drawing/2014/main" id="{EEAEB8C8-C65F-4F82-AA71-4A10824AE14D}"/>
+              </a:ext>
+            </a:extLst>
+          </p:cNvPr>
+          <p:cNvSpPr>
+            <a:spLocks noGrp="1"/>
+          </p:cNvSpPr>
+          <p:nvPr>
+            <p:ph type="sldNum" sz="quarter" idx="12"/>
+          </p:nvPr>
+        </p:nvSpPr>
+        <p:spPr/>
+        <p:txBody>
+          <a:bodyPr/>
+          <a:lstStyle/>
+          <a:p>
+            <a:pPr>
+              <a:defRPr/>
+            </a:pPr>
+            <a:r>
+              <a:rPr lang="en-US" altLang="ja-JP"/>
+              <a:t>    </a:t>
+            </a:r>
+            <a:fld id="{B2782DEB-472A-4FE5-AC34-C17109CF5A91}" type="slidenum">
+              <a:rPr lang="en-US" altLang="ja-JP" smtClean="0"/>
+              <a:pPr>
+                <a:defRPr/>
+              </a:pPr>
+              <a:t>12</a:t>
+            </a:fld>
+            <a:r>
+              <a:rPr lang="en-US" altLang="ja-JP"/>
+              <a:t> / 24</a:t>
+            </a:r>
+          </a:p>
+        </p:txBody>
+      </p:sp>
     </p:spTree>
     <p:extLst>
       <p:ext uri="{BB962C8B-B14F-4D97-AF65-F5344CB8AC3E}">
@@ -3511,48 +3511,6 @@
       </p:sp>
       <p:sp>
         <p:nvSpPr>
-          <p:cNvPr id="3" name="スライド番号プレースホルダー 2">
-            <a:extLst>
-              <a:ext uri="{FF2B5EF4-FFF2-40B4-BE49-F238E27FC236}">
-                <a16:creationId xmlns:a16="http://schemas.microsoft.com/office/drawing/2014/main" id="{C0E79F51-5DD9-4A6B-BDDB-6CCFE5A582FE}"/>
-              </a:ext>
-            </a:extLst>
-          </p:cNvPr>
-          <p:cNvSpPr>
-            <a:spLocks noGrp="1"/>
-          </p:cNvSpPr>
-          <p:nvPr>
-            <p:ph type="sldNum" sz="quarter" idx="12"/>
-          </p:nvPr>
-        </p:nvSpPr>
-        <p:spPr/>
-        <p:txBody>
-          <a:bodyPr/>
-          <a:lstStyle/>
-          <a:p>
-            <a:pPr>
-              <a:defRPr/>
-            </a:pPr>
-            <a:r>
-              <a:rPr lang="en-US" altLang="ja-JP"/>
-              <a:t>    </a:t>
-            </a:r>
-            <a:fld id="{B2782DEB-472A-4FE5-AC34-C17109CF5A91}" type="slidenum">
-              <a:rPr lang="en-US" altLang="ja-JP" smtClean="0"/>
-              <a:pPr>
-                <a:defRPr/>
-              </a:pPr>
-              <a:t>13</a:t>
-            </a:fld>
-            <a:r>
-              <a:rPr lang="en-US" altLang="ja-JP"/>
-              <a:t> / 69</a:t>
-            </a:r>
-          </a:p>
-        </p:txBody>
-      </p:sp>
-      <p:sp>
-        <p:nvSpPr>
           <p:cNvPr id="4" name="タイトル 3">
             <a:extLst>
               <a:ext uri="{FF2B5EF4-FFF2-40B4-BE49-F238E27FC236}">
@@ -3627,6 +3585,48 @@
           </a:prstGeom>
         </p:spPr>
       </p:pic>
+      <p:sp>
+        <p:nvSpPr>
+          <p:cNvPr id="5" name="スライド番号プレースホルダー 4">
+            <a:extLst>
+              <a:ext uri="{FF2B5EF4-FFF2-40B4-BE49-F238E27FC236}">
+                <a16:creationId xmlns:a16="http://schemas.microsoft.com/office/drawing/2014/main" id="{E883CAC8-F2B3-409C-BE96-E24DCBE1957A}"/>
+              </a:ext>
+            </a:extLst>
+          </p:cNvPr>
+          <p:cNvSpPr>
+            <a:spLocks noGrp="1"/>
+          </p:cNvSpPr>
+          <p:nvPr>
+            <p:ph type="sldNum" sz="quarter" idx="12"/>
+          </p:nvPr>
+        </p:nvSpPr>
+        <p:spPr/>
+        <p:txBody>
+          <a:bodyPr/>
+          <a:lstStyle/>
+          <a:p>
+            <a:pPr>
+              <a:defRPr/>
+            </a:pPr>
+            <a:r>
+              <a:rPr lang="en-US" altLang="ja-JP"/>
+              <a:t>    </a:t>
+            </a:r>
+            <a:fld id="{B2782DEB-472A-4FE5-AC34-C17109CF5A91}" type="slidenum">
+              <a:rPr lang="en-US" altLang="ja-JP" smtClean="0"/>
+              <a:pPr>
+                <a:defRPr/>
+              </a:pPr>
+              <a:t>13</a:t>
+            </a:fld>
+            <a:r>
+              <a:rPr lang="en-US" altLang="ja-JP"/>
+              <a:t> / 24</a:t>
+            </a:r>
+          </a:p>
+        </p:txBody>
+      </p:sp>
     </p:spTree>
     <p:extLst>
       <p:ext uri="{BB962C8B-B14F-4D97-AF65-F5344CB8AC3E}">
@@ -3726,48 +3726,6 @@
       </p:sp>
       <p:sp>
         <p:nvSpPr>
-          <p:cNvPr id="3" name="スライド番号プレースホルダー 2">
-            <a:extLst>
-              <a:ext uri="{FF2B5EF4-FFF2-40B4-BE49-F238E27FC236}">
-                <a16:creationId xmlns:a16="http://schemas.microsoft.com/office/drawing/2014/main" id="{7649003B-50BA-4C7A-BAD8-A7ACC87B735B}"/>
-              </a:ext>
-            </a:extLst>
-          </p:cNvPr>
-          <p:cNvSpPr>
-            <a:spLocks noGrp="1"/>
-          </p:cNvSpPr>
-          <p:nvPr>
-            <p:ph type="sldNum" sz="quarter" idx="12"/>
-          </p:nvPr>
-        </p:nvSpPr>
-        <p:spPr/>
-        <p:txBody>
-          <a:bodyPr/>
-          <a:lstStyle/>
-          <a:p>
-            <a:pPr>
-              <a:defRPr/>
-            </a:pPr>
-            <a:r>
-              <a:rPr lang="en-US" altLang="ja-JP"/>
-              <a:t>    </a:t>
-            </a:r>
-            <a:fld id="{B2782DEB-472A-4FE5-AC34-C17109CF5A91}" type="slidenum">
-              <a:rPr lang="en-US" altLang="ja-JP" smtClean="0"/>
-              <a:pPr>
-                <a:defRPr/>
-              </a:pPr>
-              <a:t>14</a:t>
-            </a:fld>
-            <a:r>
-              <a:rPr lang="en-US" altLang="ja-JP"/>
-              <a:t> / 69</a:t>
-            </a:r>
-          </a:p>
-        </p:txBody>
-      </p:sp>
-      <p:sp>
-        <p:nvSpPr>
           <p:cNvPr id="4" name="タイトル 3">
             <a:extLst>
               <a:ext uri="{FF2B5EF4-FFF2-40B4-BE49-F238E27FC236}">
@@ -3830,6 +3788,48 @@
           </a:prstGeom>
         </p:spPr>
       </p:pic>
+      <p:sp>
+        <p:nvSpPr>
+          <p:cNvPr id="5" name="スライド番号プレースホルダー 4">
+            <a:extLst>
+              <a:ext uri="{FF2B5EF4-FFF2-40B4-BE49-F238E27FC236}">
+                <a16:creationId xmlns:a16="http://schemas.microsoft.com/office/drawing/2014/main" id="{C9D470AF-68A8-4C61-AEA8-CC0FF1B4E790}"/>
+              </a:ext>
+            </a:extLst>
+          </p:cNvPr>
+          <p:cNvSpPr>
+            <a:spLocks noGrp="1"/>
+          </p:cNvSpPr>
+          <p:nvPr>
+            <p:ph type="sldNum" sz="quarter" idx="12"/>
+          </p:nvPr>
+        </p:nvSpPr>
+        <p:spPr/>
+        <p:txBody>
+          <a:bodyPr/>
+          <a:lstStyle/>
+          <a:p>
+            <a:pPr>
+              <a:defRPr/>
+            </a:pPr>
+            <a:r>
+              <a:rPr lang="en-US" altLang="ja-JP"/>
+              <a:t>    </a:t>
+            </a:r>
+            <a:fld id="{B2782DEB-472A-4FE5-AC34-C17109CF5A91}" type="slidenum">
+              <a:rPr lang="en-US" altLang="ja-JP" smtClean="0"/>
+              <a:pPr>
+                <a:defRPr/>
+              </a:pPr>
+              <a:t>14</a:t>
+            </a:fld>
+            <a:r>
+              <a:rPr lang="en-US" altLang="ja-JP"/>
+              <a:t> / 24</a:t>
+            </a:r>
+          </a:p>
+        </p:txBody>
+      </p:sp>
     </p:spTree>
     <p:extLst>
       <p:ext uri="{BB962C8B-B14F-4D97-AF65-F5344CB8AC3E}">
@@ -4032,48 +4032,6 @@
       </p:sp>
       <p:sp>
         <p:nvSpPr>
-          <p:cNvPr id="3" name="スライド番号プレースホルダー 2">
-            <a:extLst>
-              <a:ext uri="{FF2B5EF4-FFF2-40B4-BE49-F238E27FC236}">
-                <a16:creationId xmlns:a16="http://schemas.microsoft.com/office/drawing/2014/main" id="{1BFAF71C-7046-4BC1-A347-761DDDE53AAD}"/>
-              </a:ext>
-            </a:extLst>
-          </p:cNvPr>
-          <p:cNvSpPr>
-            <a:spLocks noGrp="1"/>
-          </p:cNvSpPr>
-          <p:nvPr>
-            <p:ph type="sldNum" sz="quarter" idx="12"/>
-          </p:nvPr>
-        </p:nvSpPr>
-        <p:spPr/>
-        <p:txBody>
-          <a:bodyPr/>
-          <a:lstStyle/>
-          <a:p>
-            <a:pPr>
-              <a:defRPr/>
-            </a:pPr>
-            <a:r>
-              <a:rPr lang="en-US" altLang="ja-JP"/>
-              <a:t>    </a:t>
-            </a:r>
-            <a:fld id="{B2782DEB-472A-4FE5-AC34-C17109CF5A91}" type="slidenum">
-              <a:rPr lang="en-US" altLang="ja-JP" smtClean="0"/>
-              <a:pPr>
-                <a:defRPr/>
-              </a:pPr>
-              <a:t>15</a:t>
-            </a:fld>
-            <a:r>
-              <a:rPr lang="en-US" altLang="ja-JP"/>
-              <a:t> / 69</a:t>
-            </a:r>
-          </a:p>
-        </p:txBody>
-      </p:sp>
-      <p:sp>
-        <p:nvSpPr>
           <p:cNvPr id="4" name="タイトル 3">
             <a:extLst>
               <a:ext uri="{FF2B5EF4-FFF2-40B4-BE49-F238E27FC236}">
@@ -4136,6 +4094,48 @@
           </a:prstGeom>
         </p:spPr>
       </p:pic>
+      <p:sp>
+        <p:nvSpPr>
+          <p:cNvPr id="5" name="スライド番号プレースホルダー 4">
+            <a:extLst>
+              <a:ext uri="{FF2B5EF4-FFF2-40B4-BE49-F238E27FC236}">
+                <a16:creationId xmlns:a16="http://schemas.microsoft.com/office/drawing/2014/main" id="{E1D82ECE-6CD7-4C02-B306-6DCDD505EC52}"/>
+              </a:ext>
+            </a:extLst>
+          </p:cNvPr>
+          <p:cNvSpPr>
+            <a:spLocks noGrp="1"/>
+          </p:cNvSpPr>
+          <p:nvPr>
+            <p:ph type="sldNum" sz="quarter" idx="12"/>
+          </p:nvPr>
+        </p:nvSpPr>
+        <p:spPr/>
+        <p:txBody>
+          <a:bodyPr/>
+          <a:lstStyle/>
+          <a:p>
+            <a:pPr>
+              <a:defRPr/>
+            </a:pPr>
+            <a:r>
+              <a:rPr lang="en-US" altLang="ja-JP"/>
+              <a:t>    </a:t>
+            </a:r>
+            <a:fld id="{B2782DEB-472A-4FE5-AC34-C17109CF5A91}" type="slidenum">
+              <a:rPr lang="en-US" altLang="ja-JP" smtClean="0"/>
+              <a:pPr>
+                <a:defRPr/>
+              </a:pPr>
+              <a:t>15</a:t>
+            </a:fld>
+            <a:r>
+              <a:rPr lang="en-US" altLang="ja-JP"/>
+              <a:t> / 24</a:t>
+            </a:r>
+          </a:p>
+        </p:txBody>
+      </p:sp>
     </p:spTree>
     <p:extLst>
       <p:ext uri="{BB962C8B-B14F-4D97-AF65-F5344CB8AC3E}">
@@ -4228,48 +4228,6 @@
       </p:sp>
       <p:sp>
         <p:nvSpPr>
-          <p:cNvPr id="3" name="スライド番号プレースホルダー 2">
-            <a:extLst>
-              <a:ext uri="{FF2B5EF4-FFF2-40B4-BE49-F238E27FC236}">
-                <a16:creationId xmlns:a16="http://schemas.microsoft.com/office/drawing/2014/main" id="{A96DEA20-B713-4747-A2A9-6230474A3ED6}"/>
-              </a:ext>
-            </a:extLst>
-          </p:cNvPr>
-          <p:cNvSpPr>
-            <a:spLocks noGrp="1"/>
-          </p:cNvSpPr>
-          <p:nvPr>
-            <p:ph type="sldNum" sz="quarter" idx="12"/>
-          </p:nvPr>
-        </p:nvSpPr>
-        <p:spPr/>
-        <p:txBody>
-          <a:bodyPr/>
-          <a:lstStyle/>
-          <a:p>
-            <a:pPr>
-              <a:defRPr/>
-            </a:pPr>
-            <a:r>
-              <a:rPr lang="en-US" altLang="ja-JP"/>
-              <a:t>    </a:t>
-            </a:r>
-            <a:fld id="{B2782DEB-472A-4FE5-AC34-C17109CF5A91}" type="slidenum">
-              <a:rPr lang="en-US" altLang="ja-JP" smtClean="0"/>
-              <a:pPr>
-                <a:defRPr/>
-              </a:pPr>
-              <a:t>16</a:t>
-            </a:fld>
-            <a:r>
-              <a:rPr lang="en-US" altLang="ja-JP"/>
-              <a:t> / 69</a:t>
-            </a:r>
-          </a:p>
-        </p:txBody>
-      </p:sp>
-      <p:sp>
-        <p:nvSpPr>
           <p:cNvPr id="4" name="タイトル 3">
             <a:extLst>
               <a:ext uri="{FF2B5EF4-FFF2-40B4-BE49-F238E27FC236}">
@@ -4344,6 +4302,48 @@
           </a:prstGeom>
         </p:spPr>
       </p:pic>
+      <p:sp>
+        <p:nvSpPr>
+          <p:cNvPr id="5" name="スライド番号プレースホルダー 4">
+            <a:extLst>
+              <a:ext uri="{FF2B5EF4-FFF2-40B4-BE49-F238E27FC236}">
+                <a16:creationId xmlns:a16="http://schemas.microsoft.com/office/drawing/2014/main" id="{E60785DE-3B04-44A9-BF0E-9D458226B8B9}"/>
+              </a:ext>
+            </a:extLst>
+          </p:cNvPr>
+          <p:cNvSpPr>
+            <a:spLocks noGrp="1"/>
+          </p:cNvSpPr>
+          <p:nvPr>
+            <p:ph type="sldNum" sz="quarter" idx="12"/>
+          </p:nvPr>
+        </p:nvSpPr>
+        <p:spPr/>
+        <p:txBody>
+          <a:bodyPr/>
+          <a:lstStyle/>
+          <a:p>
+            <a:pPr>
+              <a:defRPr/>
+            </a:pPr>
+            <a:r>
+              <a:rPr lang="en-US" altLang="ja-JP"/>
+              <a:t>    </a:t>
+            </a:r>
+            <a:fld id="{B2782DEB-472A-4FE5-AC34-C17109CF5A91}" type="slidenum">
+              <a:rPr lang="en-US" altLang="ja-JP" smtClean="0"/>
+              <a:pPr>
+                <a:defRPr/>
+              </a:pPr>
+              <a:t>16</a:t>
+            </a:fld>
+            <a:r>
+              <a:rPr lang="en-US" altLang="ja-JP"/>
+              <a:t> / 24</a:t>
+            </a:r>
+          </a:p>
+        </p:txBody>
+      </p:sp>
     </p:spTree>
     <p:extLst>
       <p:ext uri="{BB962C8B-B14F-4D97-AF65-F5344CB8AC3E}">
@@ -4506,10 +4506,42 @@
       </p:sp>
       <p:sp>
         <p:nvSpPr>
-          <p:cNvPr id="3" name="スライド番号プレースホルダー 2">
+          <p:cNvPr id="4" name="タイトル 3">
             <a:extLst>
               <a:ext uri="{FF2B5EF4-FFF2-40B4-BE49-F238E27FC236}">
-                <a16:creationId xmlns:a16="http://schemas.microsoft.com/office/drawing/2014/main" id="{F0DCADD8-4FF8-4C40-94A7-81B39A47BD23}"/>
+                <a16:creationId xmlns:a16="http://schemas.microsoft.com/office/drawing/2014/main" id="{1331B718-222B-454D-9362-31A02631F4E1}"/>
+              </a:ext>
+            </a:extLst>
+          </p:cNvPr>
+          <p:cNvSpPr>
+            <a:spLocks noGrp="1"/>
+          </p:cNvSpPr>
+          <p:nvPr>
+            <p:ph type="title"/>
+          </p:nvPr>
+        </p:nvSpPr>
+        <p:spPr/>
+        <p:txBody>
+          <a:bodyPr/>
+          <a:lstStyle/>
+          <a:p>
+            <a:r>
+              <a:rPr kumimoji="1" lang="en-US" altLang="ja-JP"/>
+              <a:t>CBC</a:t>
+            </a:r>
+            <a:r>
+              <a:rPr kumimoji="1" lang="ja-JP" altLang="en-US"/>
+              <a:t>モードは使われなくなりつつある</a:t>
+            </a:r>
+          </a:p>
+        </p:txBody>
+      </p:sp>
+      <p:sp>
+        <p:nvSpPr>
+          <p:cNvPr id="5" name="スライド番号プレースホルダー 4">
+            <a:extLst>
+              <a:ext uri="{FF2B5EF4-FFF2-40B4-BE49-F238E27FC236}">
+                <a16:creationId xmlns:a16="http://schemas.microsoft.com/office/drawing/2014/main" id="{DFB9262A-58E1-4706-A979-6E808A09BFEC}"/>
               </a:ext>
             </a:extLst>
           </p:cNvPr>
@@ -4541,39 +4573,7 @@
             </a:fld>
             <a:r>
               <a:rPr lang="en-US" altLang="ja-JP"/>
-              <a:t> / 69</a:t>
-            </a:r>
-          </a:p>
-        </p:txBody>
-      </p:sp>
-      <p:sp>
-        <p:nvSpPr>
-          <p:cNvPr id="4" name="タイトル 3">
-            <a:extLst>
-              <a:ext uri="{FF2B5EF4-FFF2-40B4-BE49-F238E27FC236}">
-                <a16:creationId xmlns:a16="http://schemas.microsoft.com/office/drawing/2014/main" id="{1331B718-222B-454D-9362-31A02631F4E1}"/>
-              </a:ext>
-            </a:extLst>
-          </p:cNvPr>
-          <p:cNvSpPr>
-            <a:spLocks noGrp="1"/>
-          </p:cNvSpPr>
-          <p:nvPr>
-            <p:ph type="title"/>
-          </p:nvPr>
-        </p:nvSpPr>
-        <p:spPr/>
-        <p:txBody>
-          <a:bodyPr/>
-          <a:lstStyle/>
-          <a:p>
-            <a:r>
-              <a:rPr kumimoji="1" lang="en-US" altLang="ja-JP"/>
-              <a:t>CBC</a:t>
-            </a:r>
-            <a:r>
-              <a:rPr kumimoji="1" lang="ja-JP" altLang="en-US"/>
-              <a:t>モードは使われなくなりつつある</a:t>
+              <a:t> / 24</a:t>
             </a:r>
           </a:p>
         </p:txBody>
@@ -4736,10 +4736,50 @@
       </p:sp>
       <p:sp>
         <p:nvSpPr>
-          <p:cNvPr id="3" name="スライド番号プレースホルダー 2">
+          <p:cNvPr id="4" name="タイトル 3">
             <a:extLst>
               <a:ext uri="{FF2B5EF4-FFF2-40B4-BE49-F238E27FC236}">
-                <a16:creationId xmlns:a16="http://schemas.microsoft.com/office/drawing/2014/main" id="{09B53D9A-7CE6-458D-A4F6-85E780393F5C}"/>
+                <a16:creationId xmlns:a16="http://schemas.microsoft.com/office/drawing/2014/main" id="{FC220ACB-6E90-42B6-9613-E653534323AB}"/>
+              </a:ext>
+            </a:extLst>
+          </p:cNvPr>
+          <p:cNvSpPr>
+            <a:spLocks noGrp="1"/>
+          </p:cNvSpPr>
+          <p:nvPr>
+            <p:ph type="title"/>
+          </p:nvPr>
+        </p:nvSpPr>
+        <p:spPr/>
+        <p:txBody>
+          <a:bodyPr/>
+          <a:lstStyle/>
+          <a:p>
+            <a:r>
+              <a:rPr kumimoji="1" lang="en-US" altLang="ja-JP"/>
+              <a:t>CBC</a:t>
+            </a:r>
+            <a:r>
+              <a:rPr kumimoji="1" lang="ja-JP" altLang="en-US"/>
+              <a:t>モードと</a:t>
+            </a:r>
+            <a:r>
+              <a:rPr kumimoji="1" lang="en-US" altLang="ja-JP"/>
+              <a:t>CTR</a:t>
+            </a:r>
+            <a:r>
+              <a:rPr kumimoji="1" lang="ja-JP" altLang="en-US"/>
+              <a:t>モードの比較</a:t>
+            </a:r>
+          </a:p>
+        </p:txBody>
+      </p:sp>
+      <p:sp>
+        <p:nvSpPr>
+          <p:cNvPr id="5" name="スライド番号プレースホルダー 4">
+            <a:extLst>
+              <a:ext uri="{FF2B5EF4-FFF2-40B4-BE49-F238E27FC236}">
+                <a16:creationId xmlns:a16="http://schemas.microsoft.com/office/drawing/2014/main" id="{83554F20-595C-4D7A-9776-41AF560A82B1}"/>
               </a:ext>
             </a:extLst>
           </p:cNvPr>
@@ -4771,47 +4811,7 @@
             </a:fld>
             <a:r>
               <a:rPr lang="en-US" altLang="ja-JP"/>
-              <a:t> / 69</a:t>
-            </a:r>
-          </a:p>
-        </p:txBody>
-      </p:sp>
-      <p:sp>
-        <p:nvSpPr>
-          <p:cNvPr id="4" name="タイトル 3">
-            <a:extLst>
-              <a:ext uri="{FF2B5EF4-FFF2-40B4-BE49-F238E27FC236}">
-                <a16:creationId xmlns:a16="http://schemas.microsoft.com/office/drawing/2014/main" id="{FC220ACB-6E90-42B6-9613-E653534323AB}"/>
-              </a:ext>
-            </a:extLst>
-          </p:cNvPr>
-          <p:cNvSpPr>
-            <a:spLocks noGrp="1"/>
-          </p:cNvSpPr>
-          <p:nvPr>
-            <p:ph type="title"/>
-          </p:nvPr>
-        </p:nvSpPr>
-        <p:spPr/>
-        <p:txBody>
-          <a:bodyPr/>
-          <a:lstStyle/>
-          <a:p>
-            <a:r>
-              <a:rPr kumimoji="1" lang="en-US" altLang="ja-JP"/>
-              <a:t>CBC</a:t>
-            </a:r>
-            <a:r>
-              <a:rPr kumimoji="1" lang="ja-JP" altLang="en-US"/>
-              <a:t>モードと</a:t>
-            </a:r>
-            <a:r>
-              <a:rPr kumimoji="1" lang="en-US" altLang="ja-JP"/>
-              <a:t>CTR</a:t>
-            </a:r>
-            <a:r>
-              <a:rPr kumimoji="1" lang="ja-JP" altLang="en-US"/>
-              <a:t>モードの比較</a:t>
+              <a:t> / 24</a:t>
             </a:r>
           </a:p>
         </p:txBody>
@@ -4948,48 +4948,6 @@
       </p:sp>
       <p:sp>
         <p:nvSpPr>
-          <p:cNvPr id="3" name="スライド番号プレースホルダー 2">
-            <a:extLst>
-              <a:ext uri="{FF2B5EF4-FFF2-40B4-BE49-F238E27FC236}">
-                <a16:creationId xmlns:a16="http://schemas.microsoft.com/office/drawing/2014/main" id="{C75F58A6-EDEB-4219-8784-D8D34AF32683}"/>
-              </a:ext>
-            </a:extLst>
-          </p:cNvPr>
-          <p:cNvSpPr>
-            <a:spLocks noGrp="1"/>
-          </p:cNvSpPr>
-          <p:nvPr>
-            <p:ph type="sldNum" sz="quarter" idx="12"/>
-          </p:nvPr>
-        </p:nvSpPr>
-        <p:spPr/>
-        <p:txBody>
-          <a:bodyPr/>
-          <a:lstStyle/>
-          <a:p>
-            <a:pPr>
-              <a:defRPr/>
-            </a:pPr>
-            <a:r>
-              <a:rPr lang="en-US" altLang="ja-JP"/>
-              <a:t>    </a:t>
-            </a:r>
-            <a:fld id="{B2782DEB-472A-4FE5-AC34-C17109CF5A91}" type="slidenum">
-              <a:rPr lang="en-US" altLang="ja-JP" smtClean="0"/>
-              <a:pPr>
-                <a:defRPr/>
-              </a:pPr>
-              <a:t>19</a:t>
-            </a:fld>
-            <a:r>
-              <a:rPr lang="en-US" altLang="ja-JP"/>
-              <a:t> / 69</a:t>
-            </a:r>
-          </a:p>
-        </p:txBody>
-      </p:sp>
-      <p:sp>
-        <p:nvSpPr>
           <p:cNvPr id="4" name="タイトル 3">
             <a:extLst>
               <a:ext uri="{FF2B5EF4-FFF2-40B4-BE49-F238E27FC236}">
@@ -5053,6 +5011,48 @@
           </a:prstGeom>
         </p:spPr>
       </p:pic>
+      <p:sp>
+        <p:nvSpPr>
+          <p:cNvPr id="5" name="スライド番号プレースホルダー 4">
+            <a:extLst>
+              <a:ext uri="{FF2B5EF4-FFF2-40B4-BE49-F238E27FC236}">
+                <a16:creationId xmlns:a16="http://schemas.microsoft.com/office/drawing/2014/main" id="{2D6C86DD-3DF1-4A59-8B4B-A70A3F12A64D}"/>
+              </a:ext>
+            </a:extLst>
+          </p:cNvPr>
+          <p:cNvSpPr>
+            <a:spLocks noGrp="1"/>
+          </p:cNvSpPr>
+          <p:nvPr>
+            <p:ph type="sldNum" sz="quarter" idx="12"/>
+          </p:nvPr>
+        </p:nvSpPr>
+        <p:spPr/>
+        <p:txBody>
+          <a:bodyPr/>
+          <a:lstStyle/>
+          <a:p>
+            <a:pPr>
+              <a:defRPr/>
+            </a:pPr>
+            <a:r>
+              <a:rPr lang="en-US" altLang="ja-JP"/>
+              <a:t>    </a:t>
+            </a:r>
+            <a:fld id="{B2782DEB-472A-4FE5-AC34-C17109CF5A91}" type="slidenum">
+              <a:rPr lang="en-US" altLang="ja-JP" smtClean="0"/>
+              <a:pPr>
+                <a:defRPr/>
+              </a:pPr>
+              <a:t>19</a:t>
+            </a:fld>
+            <a:r>
+              <a:rPr lang="en-US" altLang="ja-JP"/>
+              <a:t> / 24</a:t>
+            </a:r>
+          </a:p>
+        </p:txBody>
+      </p:sp>
     </p:spTree>
     <p:extLst>
       <p:ext uri="{BB962C8B-B14F-4D97-AF65-F5344CB8AC3E}">
@@ -5195,48 +5195,6 @@
       </p:sp>
       <p:sp>
         <p:nvSpPr>
-          <p:cNvPr id="3" name="スライド番号プレースホルダー 2">
-            <a:extLst>
-              <a:ext uri="{FF2B5EF4-FFF2-40B4-BE49-F238E27FC236}">
-                <a16:creationId xmlns:a16="http://schemas.microsoft.com/office/drawing/2014/main" id="{414638B1-9CE1-4B4F-9170-0991416E5145}"/>
-              </a:ext>
-            </a:extLst>
-          </p:cNvPr>
-          <p:cNvSpPr>
-            <a:spLocks noGrp="1"/>
-          </p:cNvSpPr>
-          <p:nvPr>
-            <p:ph type="sldNum" sz="quarter" idx="12"/>
-          </p:nvPr>
-        </p:nvSpPr>
-        <p:spPr/>
-        <p:txBody>
-          <a:bodyPr/>
-          <a:lstStyle/>
-          <a:p>
-            <a:pPr>
-              <a:defRPr/>
-            </a:pPr>
-            <a:r>
-              <a:rPr lang="en-US" altLang="ja-JP"/>
-              <a:t>    </a:t>
-            </a:r>
-            <a:fld id="{B2782DEB-472A-4FE5-AC34-C17109CF5A91}" type="slidenum">
-              <a:rPr lang="en-US" altLang="ja-JP" smtClean="0"/>
-              <a:pPr>
-                <a:defRPr/>
-              </a:pPr>
-              <a:t>2</a:t>
-            </a:fld>
-            <a:r>
-              <a:rPr lang="en-US" altLang="ja-JP"/>
-              <a:t> / 69</a:t>
-            </a:r>
-          </a:p>
-        </p:txBody>
-      </p:sp>
-      <p:sp>
-        <p:nvSpPr>
           <p:cNvPr id="4" name="タイトル 3">
             <a:extLst>
               <a:ext uri="{FF2B5EF4-FFF2-40B4-BE49-F238E27FC236}">
@@ -5299,6 +5257,48 @@
           </a:prstGeom>
         </p:spPr>
       </p:pic>
+      <p:sp>
+        <p:nvSpPr>
+          <p:cNvPr id="5" name="スライド番号プレースホルダー 4">
+            <a:extLst>
+              <a:ext uri="{FF2B5EF4-FFF2-40B4-BE49-F238E27FC236}">
+                <a16:creationId xmlns:a16="http://schemas.microsoft.com/office/drawing/2014/main" id="{2A5B38D7-EB53-498B-A08F-F0CED40A17B8}"/>
+              </a:ext>
+            </a:extLst>
+          </p:cNvPr>
+          <p:cNvSpPr>
+            <a:spLocks noGrp="1"/>
+          </p:cNvSpPr>
+          <p:nvPr>
+            <p:ph type="sldNum" sz="quarter" idx="12"/>
+          </p:nvPr>
+        </p:nvSpPr>
+        <p:spPr/>
+        <p:txBody>
+          <a:bodyPr/>
+          <a:lstStyle/>
+          <a:p>
+            <a:pPr>
+              <a:defRPr/>
+            </a:pPr>
+            <a:r>
+              <a:rPr lang="en-US" altLang="ja-JP"/>
+              <a:t>    </a:t>
+            </a:r>
+            <a:fld id="{B2782DEB-472A-4FE5-AC34-C17109CF5A91}" type="slidenum">
+              <a:rPr lang="en-US" altLang="ja-JP" smtClean="0"/>
+              <a:pPr>
+                <a:defRPr/>
+              </a:pPr>
+              <a:t>2</a:t>
+            </a:fld>
+            <a:r>
+              <a:rPr lang="en-US" altLang="ja-JP"/>
+              <a:t> / 24</a:t>
+            </a:r>
+          </a:p>
+        </p:txBody>
+      </p:sp>
     </p:spTree>
     <p:extLst>
       <p:ext uri="{BB962C8B-B14F-4D97-AF65-F5344CB8AC3E}">
@@ -5718,10 +5718,39 @@
       </mc:AlternateContent>
       <p:sp>
         <p:nvSpPr>
-          <p:cNvPr id="3" name="スライド番号プレースホルダー 2">
+          <p:cNvPr id="4" name="タイトル 3">
             <a:extLst>
               <a:ext uri="{FF2B5EF4-FFF2-40B4-BE49-F238E27FC236}">
-                <a16:creationId xmlns:a16="http://schemas.microsoft.com/office/drawing/2014/main" id="{62775036-152E-47AC-B87B-086844D77602}"/>
+                <a16:creationId xmlns:a16="http://schemas.microsoft.com/office/drawing/2014/main" id="{2E7796F1-5447-4171-9767-61735D84AEDB}"/>
+              </a:ext>
+            </a:extLst>
+          </p:cNvPr>
+          <p:cNvSpPr>
+            <a:spLocks noGrp="1"/>
+          </p:cNvSpPr>
+          <p:nvPr>
+            <p:ph type="title"/>
+          </p:nvPr>
+        </p:nvSpPr>
+        <p:spPr/>
+        <p:txBody>
+          <a:bodyPr/>
+          <a:lstStyle/>
+          <a:p>
+            <a:r>
+              <a:rPr kumimoji="1" lang="en-US" altLang="ja-JP"/>
+              <a:t>XTS-AES</a:t>
+            </a:r>
+            <a:endParaRPr kumimoji="1" lang="ja-JP" altLang="en-US"/>
+          </a:p>
+        </p:txBody>
+      </p:sp>
+      <p:sp>
+        <p:nvSpPr>
+          <p:cNvPr id="5" name="スライド番号プレースホルダー 4">
+            <a:extLst>
+              <a:ext uri="{FF2B5EF4-FFF2-40B4-BE49-F238E27FC236}">
+                <a16:creationId xmlns:a16="http://schemas.microsoft.com/office/drawing/2014/main" id="{6DC63B55-C8E7-4B9B-8A8B-7F188232D7B9}"/>
               </a:ext>
             </a:extLst>
           </p:cNvPr>
@@ -5753,37 +5782,8 @@
             </a:fld>
             <a:r>
               <a:rPr lang="en-US" altLang="ja-JP"/>
-              <a:t> / 69</a:t>
-            </a:r>
-          </a:p>
-        </p:txBody>
-      </p:sp>
-      <p:sp>
-        <p:nvSpPr>
-          <p:cNvPr id="4" name="タイトル 3">
-            <a:extLst>
-              <a:ext uri="{FF2B5EF4-FFF2-40B4-BE49-F238E27FC236}">
-                <a16:creationId xmlns:a16="http://schemas.microsoft.com/office/drawing/2014/main" id="{2E7796F1-5447-4171-9767-61735D84AEDB}"/>
-              </a:ext>
-            </a:extLst>
-          </p:cNvPr>
-          <p:cNvSpPr>
-            <a:spLocks noGrp="1"/>
-          </p:cNvSpPr>
-          <p:nvPr>
-            <p:ph type="title"/>
-          </p:nvPr>
-        </p:nvSpPr>
-        <p:spPr/>
-        <p:txBody>
-          <a:bodyPr/>
-          <a:lstStyle/>
-          <a:p>
-            <a:r>
-              <a:rPr kumimoji="1" lang="en-US" altLang="ja-JP"/>
-              <a:t>XTS-AES</a:t>
-            </a:r>
-            <a:endParaRPr kumimoji="1" lang="ja-JP" altLang="en-US"/>
+              <a:t> / 24</a:t>
+            </a:r>
           </a:p>
         </p:txBody>
       </p:sp>
@@ -6049,48 +6049,6 @@
       </mc:AlternateContent>
       <p:sp>
         <p:nvSpPr>
-          <p:cNvPr id="3" name="スライド番号プレースホルダー 2">
-            <a:extLst>
-              <a:ext uri="{FF2B5EF4-FFF2-40B4-BE49-F238E27FC236}">
-                <a16:creationId xmlns:a16="http://schemas.microsoft.com/office/drawing/2014/main" id="{62775036-152E-47AC-B87B-086844D77602}"/>
-              </a:ext>
-            </a:extLst>
-          </p:cNvPr>
-          <p:cNvSpPr>
-            <a:spLocks noGrp="1"/>
-          </p:cNvSpPr>
-          <p:nvPr>
-            <p:ph type="sldNum" sz="quarter" idx="12"/>
-          </p:nvPr>
-        </p:nvSpPr>
-        <p:spPr/>
-        <p:txBody>
-          <a:bodyPr/>
-          <a:lstStyle/>
-          <a:p>
-            <a:pPr>
-              <a:defRPr/>
-            </a:pPr>
-            <a:r>
-              <a:rPr lang="en-US" altLang="ja-JP"/>
-              <a:t>    </a:t>
-            </a:r>
-            <a:fld id="{B2782DEB-472A-4FE5-AC34-C17109CF5A91}" type="slidenum">
-              <a:rPr lang="en-US" altLang="ja-JP" smtClean="0"/>
-              <a:pPr>
-                <a:defRPr/>
-              </a:pPr>
-              <a:t>21</a:t>
-            </a:fld>
-            <a:r>
-              <a:rPr lang="en-US" altLang="ja-JP"/>
-              <a:t> / 69</a:t>
-            </a:r>
-          </a:p>
-        </p:txBody>
-      </p:sp>
-      <p:sp>
-        <p:nvSpPr>
           <p:cNvPr id="4" name="タイトル 3">
             <a:extLst>
               <a:ext uri="{FF2B5EF4-FFF2-40B4-BE49-F238E27FC236}">
@@ -6157,6 +6115,48 @@
           </a:prstGeom>
         </p:spPr>
       </p:pic>
+      <p:sp>
+        <p:nvSpPr>
+          <p:cNvPr id="5" name="スライド番号プレースホルダー 4">
+            <a:extLst>
+              <a:ext uri="{FF2B5EF4-FFF2-40B4-BE49-F238E27FC236}">
+                <a16:creationId xmlns:a16="http://schemas.microsoft.com/office/drawing/2014/main" id="{427816CA-5483-4501-820C-83D0767343BD}"/>
+              </a:ext>
+            </a:extLst>
+          </p:cNvPr>
+          <p:cNvSpPr>
+            <a:spLocks noGrp="1"/>
+          </p:cNvSpPr>
+          <p:nvPr>
+            <p:ph type="sldNum" sz="quarter" idx="12"/>
+          </p:nvPr>
+        </p:nvSpPr>
+        <p:spPr/>
+        <p:txBody>
+          <a:bodyPr/>
+          <a:lstStyle/>
+          <a:p>
+            <a:pPr>
+              <a:defRPr/>
+            </a:pPr>
+            <a:r>
+              <a:rPr lang="en-US" altLang="ja-JP"/>
+              <a:t>    </a:t>
+            </a:r>
+            <a:fld id="{B2782DEB-472A-4FE5-AC34-C17109CF5A91}" type="slidenum">
+              <a:rPr lang="en-US" altLang="ja-JP" smtClean="0"/>
+              <a:pPr>
+                <a:defRPr/>
+              </a:pPr>
+              <a:t>21</a:t>
+            </a:fld>
+            <a:r>
+              <a:rPr lang="en-US" altLang="ja-JP"/>
+              <a:t> / 24</a:t>
+            </a:r>
+          </a:p>
+        </p:txBody>
+      </p:sp>
     </p:spTree>
     <p:extLst>
       <p:ext uri="{BB962C8B-B14F-4D97-AF65-F5344CB8AC3E}">
@@ -6327,10 +6327,38 @@
       </p:sp>
       <p:sp>
         <p:nvSpPr>
-          <p:cNvPr id="3" name="スライド番号プレースホルダー 2">
+          <p:cNvPr id="4" name="タイトル 3">
             <a:extLst>
               <a:ext uri="{FF2B5EF4-FFF2-40B4-BE49-F238E27FC236}">
-                <a16:creationId xmlns:a16="http://schemas.microsoft.com/office/drawing/2014/main" id="{E7627AF9-FF61-413C-A3BB-F9882FE8A4DC}"/>
+                <a16:creationId xmlns:a16="http://schemas.microsoft.com/office/drawing/2014/main" id="{46C93CB7-B3A6-4455-B7D1-254BD8F8F54C}"/>
+              </a:ext>
+            </a:extLst>
+          </p:cNvPr>
+          <p:cNvSpPr>
+            <a:spLocks noGrp="1"/>
+          </p:cNvSpPr>
+          <p:nvPr>
+            <p:ph type="title"/>
+          </p:nvPr>
+        </p:nvSpPr>
+        <p:spPr/>
+        <p:txBody>
+          <a:bodyPr/>
+          <a:lstStyle/>
+          <a:p>
+            <a:r>
+              <a:rPr kumimoji="1" lang="ja-JP" altLang="en-US"/>
+              <a:t>自己暗号化ドライブ</a:t>
+            </a:r>
+          </a:p>
+        </p:txBody>
+      </p:sp>
+      <p:sp>
+        <p:nvSpPr>
+          <p:cNvPr id="5" name="スライド番号プレースホルダー 4">
+            <a:extLst>
+              <a:ext uri="{FF2B5EF4-FFF2-40B4-BE49-F238E27FC236}">
+                <a16:creationId xmlns:a16="http://schemas.microsoft.com/office/drawing/2014/main" id="{E0C512DA-BAC4-49EF-91ED-CD2467AC20D1}"/>
               </a:ext>
             </a:extLst>
           </p:cNvPr>
@@ -6362,35 +6390,7 @@
             </a:fld>
             <a:r>
               <a:rPr lang="en-US" altLang="ja-JP"/>
-              <a:t> / 69</a:t>
-            </a:r>
-          </a:p>
-        </p:txBody>
-      </p:sp>
-      <p:sp>
-        <p:nvSpPr>
-          <p:cNvPr id="4" name="タイトル 3">
-            <a:extLst>
-              <a:ext uri="{FF2B5EF4-FFF2-40B4-BE49-F238E27FC236}">
-                <a16:creationId xmlns:a16="http://schemas.microsoft.com/office/drawing/2014/main" id="{46C93CB7-B3A6-4455-B7D1-254BD8F8F54C}"/>
-              </a:ext>
-            </a:extLst>
-          </p:cNvPr>
-          <p:cNvSpPr>
-            <a:spLocks noGrp="1"/>
-          </p:cNvSpPr>
-          <p:nvPr>
-            <p:ph type="title"/>
-          </p:nvPr>
-        </p:nvSpPr>
-        <p:spPr/>
-        <p:txBody>
-          <a:bodyPr/>
-          <a:lstStyle/>
-          <a:p>
-            <a:r>
-              <a:rPr kumimoji="1" lang="ja-JP" altLang="en-US"/>
-              <a:t>自己暗号化ドライブ</a:t>
+              <a:t> / 24</a:t>
             </a:r>
           </a:p>
         </p:txBody>
@@ -6570,48 +6570,6 @@
       </p:sp>
       <p:sp>
         <p:nvSpPr>
-          <p:cNvPr id="3" name="スライド番号プレースホルダー 2">
-            <a:extLst>
-              <a:ext uri="{FF2B5EF4-FFF2-40B4-BE49-F238E27FC236}">
-                <a16:creationId xmlns:a16="http://schemas.microsoft.com/office/drawing/2014/main" id="{F7033EB8-46CD-4E90-8CB7-060877673A02}"/>
-              </a:ext>
-            </a:extLst>
-          </p:cNvPr>
-          <p:cNvSpPr>
-            <a:spLocks noGrp="1"/>
-          </p:cNvSpPr>
-          <p:nvPr>
-            <p:ph type="sldNum" sz="quarter" idx="12"/>
-          </p:nvPr>
-        </p:nvSpPr>
-        <p:spPr/>
-        <p:txBody>
-          <a:bodyPr/>
-          <a:lstStyle/>
-          <a:p>
-            <a:pPr>
-              <a:defRPr/>
-            </a:pPr>
-            <a:r>
-              <a:rPr lang="en-US" altLang="ja-JP"/>
-              <a:t>    </a:t>
-            </a:r>
-            <a:fld id="{B2782DEB-472A-4FE5-AC34-C17109CF5A91}" type="slidenum">
-              <a:rPr lang="en-US" altLang="ja-JP" smtClean="0"/>
-              <a:pPr>
-                <a:defRPr/>
-              </a:pPr>
-              <a:t>23</a:t>
-            </a:fld>
-            <a:r>
-              <a:rPr lang="en-US" altLang="ja-JP"/>
-              <a:t> / 69</a:t>
-            </a:r>
-          </a:p>
-        </p:txBody>
-      </p:sp>
-      <p:sp>
-        <p:nvSpPr>
           <p:cNvPr id="4" name="タイトル 3">
             <a:extLst>
               <a:ext uri="{FF2B5EF4-FFF2-40B4-BE49-F238E27FC236}">
@@ -6674,6 +6632,48 @@
           </a:prstGeom>
         </p:spPr>
       </p:pic>
+      <p:sp>
+        <p:nvSpPr>
+          <p:cNvPr id="5" name="スライド番号プレースホルダー 4">
+            <a:extLst>
+              <a:ext uri="{FF2B5EF4-FFF2-40B4-BE49-F238E27FC236}">
+                <a16:creationId xmlns:a16="http://schemas.microsoft.com/office/drawing/2014/main" id="{C14880CA-BA40-4F3F-ADC8-B3AAC4165C79}"/>
+              </a:ext>
+            </a:extLst>
+          </p:cNvPr>
+          <p:cNvSpPr>
+            <a:spLocks noGrp="1"/>
+          </p:cNvSpPr>
+          <p:nvPr>
+            <p:ph type="sldNum" sz="quarter" idx="12"/>
+          </p:nvPr>
+        </p:nvSpPr>
+        <p:spPr/>
+        <p:txBody>
+          <a:bodyPr/>
+          <a:lstStyle/>
+          <a:p>
+            <a:pPr>
+              <a:defRPr/>
+            </a:pPr>
+            <a:r>
+              <a:rPr lang="en-US" altLang="ja-JP"/>
+              <a:t>    </a:t>
+            </a:r>
+            <a:fld id="{B2782DEB-472A-4FE5-AC34-C17109CF5A91}" type="slidenum">
+              <a:rPr lang="en-US" altLang="ja-JP" smtClean="0"/>
+              <a:pPr>
+                <a:defRPr/>
+              </a:pPr>
+              <a:t>23</a:t>
+            </a:fld>
+            <a:r>
+              <a:rPr lang="en-US" altLang="ja-JP"/>
+              <a:t> / 24</a:t>
+            </a:r>
+          </a:p>
+        </p:txBody>
+      </p:sp>
     </p:spTree>
     <p:extLst>
       <p:ext uri="{BB962C8B-B14F-4D97-AF65-F5344CB8AC3E}">
@@ -6789,48 +6789,6 @@
       </p:sp>
       <p:sp>
         <p:nvSpPr>
-          <p:cNvPr id="3" name="スライド番号プレースホルダー 2">
-            <a:extLst>
-              <a:ext uri="{FF2B5EF4-FFF2-40B4-BE49-F238E27FC236}">
-                <a16:creationId xmlns:a16="http://schemas.microsoft.com/office/drawing/2014/main" id="{44C19268-902A-4B92-8214-BDAFBA81C484}"/>
-              </a:ext>
-            </a:extLst>
-          </p:cNvPr>
-          <p:cNvSpPr>
-            <a:spLocks noGrp="1"/>
-          </p:cNvSpPr>
-          <p:nvPr>
-            <p:ph type="sldNum" sz="quarter" idx="12"/>
-          </p:nvPr>
-        </p:nvSpPr>
-        <p:spPr/>
-        <p:txBody>
-          <a:bodyPr/>
-          <a:lstStyle/>
-          <a:p>
-            <a:pPr>
-              <a:defRPr/>
-            </a:pPr>
-            <a:r>
-              <a:rPr lang="en-US" altLang="ja-JP"/>
-              <a:t>    </a:t>
-            </a:r>
-            <a:fld id="{B2782DEB-472A-4FE5-AC34-C17109CF5A91}" type="slidenum">
-              <a:rPr lang="en-US" altLang="ja-JP" smtClean="0"/>
-              <a:pPr>
-                <a:defRPr/>
-              </a:pPr>
-              <a:t>24</a:t>
-            </a:fld>
-            <a:r>
-              <a:rPr lang="en-US" altLang="ja-JP"/>
-              <a:t> / 69</a:t>
-            </a:r>
-          </a:p>
-        </p:txBody>
-      </p:sp>
-      <p:sp>
-        <p:nvSpPr>
           <p:cNvPr id="4" name="タイトル 3">
             <a:extLst>
               <a:ext uri="{FF2B5EF4-FFF2-40B4-BE49-F238E27FC236}">
@@ -6943,6 +6901,48 @@
               <a:ea typeface="ＭＳ ゴシック" pitchFamily="49" charset="-128"/>
               <a:cs typeface="Courier New" pitchFamily="49" charset="0"/>
             </a:endParaRPr>
+          </a:p>
+        </p:txBody>
+      </p:sp>
+      <p:sp>
+        <p:nvSpPr>
+          <p:cNvPr id="5" name="スライド番号プレースホルダー 4">
+            <a:extLst>
+              <a:ext uri="{FF2B5EF4-FFF2-40B4-BE49-F238E27FC236}">
+                <a16:creationId xmlns:a16="http://schemas.microsoft.com/office/drawing/2014/main" id="{16556827-1C0E-4E9D-98F8-B250F4E11D44}"/>
+              </a:ext>
+            </a:extLst>
+          </p:cNvPr>
+          <p:cNvSpPr>
+            <a:spLocks noGrp="1"/>
+          </p:cNvSpPr>
+          <p:nvPr>
+            <p:ph type="sldNum" sz="quarter" idx="12"/>
+          </p:nvPr>
+        </p:nvSpPr>
+        <p:spPr/>
+        <p:txBody>
+          <a:bodyPr/>
+          <a:lstStyle/>
+          <a:p>
+            <a:pPr>
+              <a:defRPr/>
+            </a:pPr>
+            <a:r>
+              <a:rPr lang="en-US" altLang="ja-JP"/>
+              <a:t>    </a:t>
+            </a:r>
+            <a:fld id="{B2782DEB-472A-4FE5-AC34-C17109CF5A91}" type="slidenum">
+              <a:rPr lang="en-US" altLang="ja-JP" smtClean="0"/>
+              <a:pPr>
+                <a:defRPr/>
+              </a:pPr>
+              <a:t>24</a:t>
+            </a:fld>
+            <a:r>
+              <a:rPr lang="en-US" altLang="ja-JP"/>
+              <a:t> / 24</a:t>
+            </a:r>
           </a:p>
         </p:txBody>
       </p:sp>
@@ -7056,48 +7056,6 @@
       </p:sp>
       <p:sp>
         <p:nvSpPr>
-          <p:cNvPr id="3" name="スライド番号プレースホルダー 2">
-            <a:extLst>
-              <a:ext uri="{FF2B5EF4-FFF2-40B4-BE49-F238E27FC236}">
-                <a16:creationId xmlns:a16="http://schemas.microsoft.com/office/drawing/2014/main" id="{D00C532A-4770-4D61-8EDF-8FD5A24D355E}"/>
-              </a:ext>
-            </a:extLst>
-          </p:cNvPr>
-          <p:cNvSpPr>
-            <a:spLocks noGrp="1"/>
-          </p:cNvSpPr>
-          <p:nvPr>
-            <p:ph type="sldNum" sz="quarter" idx="12"/>
-          </p:nvPr>
-        </p:nvSpPr>
-        <p:spPr/>
-        <p:txBody>
-          <a:bodyPr/>
-          <a:lstStyle/>
-          <a:p>
-            <a:pPr>
-              <a:defRPr/>
-            </a:pPr>
-            <a:r>
-              <a:rPr lang="en-US" altLang="ja-JP"/>
-              <a:t>    </a:t>
-            </a:r>
-            <a:fld id="{B2782DEB-472A-4FE5-AC34-C17109CF5A91}" type="slidenum">
-              <a:rPr lang="en-US" altLang="ja-JP" smtClean="0"/>
-              <a:pPr>
-                <a:defRPr/>
-              </a:pPr>
-              <a:t>3</a:t>
-            </a:fld>
-            <a:r>
-              <a:rPr lang="en-US" altLang="ja-JP"/>
-              <a:t> / 69</a:t>
-            </a:r>
-          </a:p>
-        </p:txBody>
-      </p:sp>
-      <p:sp>
-        <p:nvSpPr>
           <p:cNvPr id="4" name="タイトル 3">
             <a:extLst>
               <a:ext uri="{FF2B5EF4-FFF2-40B4-BE49-F238E27FC236}">
@@ -7172,6 +7130,48 @@
           </a:prstGeom>
         </p:spPr>
       </p:pic>
+      <p:sp>
+        <p:nvSpPr>
+          <p:cNvPr id="5" name="スライド番号プレースホルダー 4">
+            <a:extLst>
+              <a:ext uri="{FF2B5EF4-FFF2-40B4-BE49-F238E27FC236}">
+                <a16:creationId xmlns:a16="http://schemas.microsoft.com/office/drawing/2014/main" id="{CB125BCC-AFBB-4AC5-AC4C-2E4E2E97D7BB}"/>
+              </a:ext>
+            </a:extLst>
+          </p:cNvPr>
+          <p:cNvSpPr>
+            <a:spLocks noGrp="1"/>
+          </p:cNvSpPr>
+          <p:nvPr>
+            <p:ph type="sldNum" sz="quarter" idx="12"/>
+          </p:nvPr>
+        </p:nvSpPr>
+        <p:spPr/>
+        <p:txBody>
+          <a:bodyPr/>
+          <a:lstStyle/>
+          <a:p>
+            <a:pPr>
+              <a:defRPr/>
+            </a:pPr>
+            <a:r>
+              <a:rPr lang="en-US" altLang="ja-JP"/>
+              <a:t>    </a:t>
+            </a:r>
+            <a:fld id="{B2782DEB-472A-4FE5-AC34-C17109CF5A91}" type="slidenum">
+              <a:rPr lang="en-US" altLang="ja-JP" smtClean="0"/>
+              <a:pPr>
+                <a:defRPr/>
+              </a:pPr>
+              <a:t>3</a:t>
+            </a:fld>
+            <a:r>
+              <a:rPr lang="en-US" altLang="ja-JP"/>
+              <a:t> / 24</a:t>
+            </a:r>
+          </a:p>
+        </p:txBody>
+      </p:sp>
     </p:spTree>
     <p:extLst>
       <p:ext uri="{BB962C8B-B14F-4D97-AF65-F5344CB8AC3E}">
@@ -7315,48 +7315,6 @@
       </p:sp>
       <p:sp>
         <p:nvSpPr>
-          <p:cNvPr id="3" name="スライド番号プレースホルダー 2">
-            <a:extLst>
-              <a:ext uri="{FF2B5EF4-FFF2-40B4-BE49-F238E27FC236}">
-                <a16:creationId xmlns:a16="http://schemas.microsoft.com/office/drawing/2014/main" id="{D00C532A-4770-4D61-8EDF-8FD5A24D355E}"/>
-              </a:ext>
-            </a:extLst>
-          </p:cNvPr>
-          <p:cNvSpPr>
-            <a:spLocks noGrp="1"/>
-          </p:cNvSpPr>
-          <p:nvPr>
-            <p:ph type="sldNum" sz="quarter" idx="12"/>
-          </p:nvPr>
-        </p:nvSpPr>
-        <p:spPr/>
-        <p:txBody>
-          <a:bodyPr/>
-          <a:lstStyle/>
-          <a:p>
-            <a:pPr>
-              <a:defRPr/>
-            </a:pPr>
-            <a:r>
-              <a:rPr lang="en-US" altLang="ja-JP"/>
-              <a:t>    </a:t>
-            </a:r>
-            <a:fld id="{B2782DEB-472A-4FE5-AC34-C17109CF5A91}" type="slidenum">
-              <a:rPr lang="en-US" altLang="ja-JP" smtClean="0"/>
-              <a:pPr>
-                <a:defRPr/>
-              </a:pPr>
-              <a:t>4</a:t>
-            </a:fld>
-            <a:r>
-              <a:rPr lang="en-US" altLang="ja-JP"/>
-              <a:t> / 69</a:t>
-            </a:r>
-          </a:p>
-        </p:txBody>
-      </p:sp>
-      <p:sp>
-        <p:nvSpPr>
           <p:cNvPr id="4" name="タイトル 3">
             <a:extLst>
               <a:ext uri="{FF2B5EF4-FFF2-40B4-BE49-F238E27FC236}">
@@ -7414,6 +7372,48 @@
           </a:prstGeom>
         </p:spPr>
       </p:pic>
+      <p:sp>
+        <p:nvSpPr>
+          <p:cNvPr id="5" name="スライド番号プレースホルダー 4">
+            <a:extLst>
+              <a:ext uri="{FF2B5EF4-FFF2-40B4-BE49-F238E27FC236}">
+                <a16:creationId xmlns:a16="http://schemas.microsoft.com/office/drawing/2014/main" id="{CC9201C3-367C-49B8-8FC4-BE3604A2B87B}"/>
+              </a:ext>
+            </a:extLst>
+          </p:cNvPr>
+          <p:cNvSpPr>
+            <a:spLocks noGrp="1"/>
+          </p:cNvSpPr>
+          <p:nvPr>
+            <p:ph type="sldNum" sz="quarter" idx="12"/>
+          </p:nvPr>
+        </p:nvSpPr>
+        <p:spPr/>
+        <p:txBody>
+          <a:bodyPr/>
+          <a:lstStyle/>
+          <a:p>
+            <a:pPr>
+              <a:defRPr/>
+            </a:pPr>
+            <a:r>
+              <a:rPr lang="en-US" altLang="ja-JP"/>
+              <a:t>    </a:t>
+            </a:r>
+            <a:fld id="{B2782DEB-472A-4FE5-AC34-C17109CF5A91}" type="slidenum">
+              <a:rPr lang="en-US" altLang="ja-JP" smtClean="0"/>
+              <a:pPr>
+                <a:defRPr/>
+              </a:pPr>
+              <a:t>4</a:t>
+            </a:fld>
+            <a:r>
+              <a:rPr lang="en-US" altLang="ja-JP"/>
+              <a:t> / 24</a:t>
+            </a:r>
+          </a:p>
+        </p:txBody>
+      </p:sp>
     </p:spTree>
     <p:extLst>
       <p:ext uri="{BB962C8B-B14F-4D97-AF65-F5344CB8AC3E}">
@@ -7572,48 +7572,6 @@
       </p:sp>
       <p:sp>
         <p:nvSpPr>
-          <p:cNvPr id="3" name="スライド番号プレースホルダー 2">
-            <a:extLst>
-              <a:ext uri="{FF2B5EF4-FFF2-40B4-BE49-F238E27FC236}">
-                <a16:creationId xmlns:a16="http://schemas.microsoft.com/office/drawing/2014/main" id="{61FAA3C2-F38D-4C4E-9D18-A0FC316CC511}"/>
-              </a:ext>
-            </a:extLst>
-          </p:cNvPr>
-          <p:cNvSpPr>
-            <a:spLocks noGrp="1"/>
-          </p:cNvSpPr>
-          <p:nvPr>
-            <p:ph type="sldNum" sz="quarter" idx="12"/>
-          </p:nvPr>
-        </p:nvSpPr>
-        <p:spPr/>
-        <p:txBody>
-          <a:bodyPr/>
-          <a:lstStyle/>
-          <a:p>
-            <a:pPr>
-              <a:defRPr/>
-            </a:pPr>
-            <a:r>
-              <a:rPr lang="en-US" altLang="ja-JP"/>
-              <a:t>    </a:t>
-            </a:r>
-            <a:fld id="{B2782DEB-472A-4FE5-AC34-C17109CF5A91}" type="slidenum">
-              <a:rPr lang="en-US" altLang="ja-JP" smtClean="0"/>
-              <a:pPr>
-                <a:defRPr/>
-              </a:pPr>
-              <a:t>5</a:t>
-            </a:fld>
-            <a:r>
-              <a:rPr lang="en-US" altLang="ja-JP"/>
-              <a:t> / 69</a:t>
-            </a:r>
-          </a:p>
-        </p:txBody>
-      </p:sp>
-      <p:sp>
-        <p:nvSpPr>
           <p:cNvPr id="4" name="タイトル 3">
             <a:extLst>
               <a:ext uri="{FF2B5EF4-FFF2-40B4-BE49-F238E27FC236}">
@@ -7757,6 +7715,48 @@
                 <a:cs typeface="Courier New" pitchFamily="49" charset="0"/>
               </a:rPr>
               <a:t>:(a, b, c, d)</a:t>
+            </a:r>
+          </a:p>
+        </p:txBody>
+      </p:sp>
+      <p:sp>
+        <p:nvSpPr>
+          <p:cNvPr id="5" name="スライド番号プレースホルダー 4">
+            <a:extLst>
+              <a:ext uri="{FF2B5EF4-FFF2-40B4-BE49-F238E27FC236}">
+                <a16:creationId xmlns:a16="http://schemas.microsoft.com/office/drawing/2014/main" id="{0FCC50B7-29E0-41F5-8C14-DB761C1C41BE}"/>
+              </a:ext>
+            </a:extLst>
+          </p:cNvPr>
+          <p:cNvSpPr>
+            <a:spLocks noGrp="1"/>
+          </p:cNvSpPr>
+          <p:nvPr>
+            <p:ph type="sldNum" sz="quarter" idx="12"/>
+          </p:nvPr>
+        </p:nvSpPr>
+        <p:spPr/>
+        <p:txBody>
+          <a:bodyPr/>
+          <a:lstStyle/>
+          <a:p>
+            <a:pPr>
+              <a:defRPr/>
+            </a:pPr>
+            <a:r>
+              <a:rPr lang="en-US" altLang="ja-JP"/>
+              <a:t>    </a:t>
+            </a:r>
+            <a:fld id="{B2782DEB-472A-4FE5-AC34-C17109CF5A91}" type="slidenum">
+              <a:rPr lang="en-US" altLang="ja-JP" smtClean="0"/>
+              <a:pPr>
+                <a:defRPr/>
+              </a:pPr>
+              <a:t>5</a:t>
+            </a:fld>
+            <a:r>
+              <a:rPr lang="en-US" altLang="ja-JP"/>
+              <a:t> / 24</a:t>
             </a:r>
           </a:p>
         </p:txBody>
@@ -8016,48 +8016,6 @@
       </mc:AlternateContent>
       <p:sp>
         <p:nvSpPr>
-          <p:cNvPr id="3" name="スライド番号プレースホルダー 2">
-            <a:extLst>
-              <a:ext uri="{FF2B5EF4-FFF2-40B4-BE49-F238E27FC236}">
-                <a16:creationId xmlns:a16="http://schemas.microsoft.com/office/drawing/2014/main" id="{D8195D5F-8BCB-4528-8918-6EEBC26D62D1}"/>
-              </a:ext>
-            </a:extLst>
-          </p:cNvPr>
-          <p:cNvSpPr>
-            <a:spLocks noGrp="1"/>
-          </p:cNvSpPr>
-          <p:nvPr>
-            <p:ph type="sldNum" sz="quarter" idx="12"/>
-          </p:nvPr>
-        </p:nvSpPr>
-        <p:spPr/>
-        <p:txBody>
-          <a:bodyPr/>
-          <a:lstStyle/>
-          <a:p>
-            <a:pPr>
-              <a:defRPr/>
-            </a:pPr>
-            <a:r>
-              <a:rPr lang="en-US" altLang="ja-JP"/>
-              <a:t>    </a:t>
-            </a:r>
-            <a:fld id="{B2782DEB-472A-4FE5-AC34-C17109CF5A91}" type="slidenum">
-              <a:rPr lang="en-US" altLang="ja-JP" smtClean="0"/>
-              <a:pPr>
-                <a:defRPr/>
-              </a:pPr>
-              <a:t>6</a:t>
-            </a:fld>
-            <a:r>
-              <a:rPr lang="en-US" altLang="ja-JP"/>
-              <a:t> / 69</a:t>
-            </a:r>
-          </a:p>
-        </p:txBody>
-      </p:sp>
-      <p:sp>
-        <p:nvSpPr>
           <p:cNvPr id="4" name="タイトル 3">
             <a:extLst>
               <a:ext uri="{FF2B5EF4-FFF2-40B4-BE49-F238E27FC236}">
@@ -8126,6 +8084,48 @@
           </a:prstGeom>
         </p:spPr>
       </p:pic>
+      <p:sp>
+        <p:nvSpPr>
+          <p:cNvPr id="5" name="スライド番号プレースホルダー 4">
+            <a:extLst>
+              <a:ext uri="{FF2B5EF4-FFF2-40B4-BE49-F238E27FC236}">
+                <a16:creationId xmlns:a16="http://schemas.microsoft.com/office/drawing/2014/main" id="{5DECAA6E-DEEA-4DA3-A754-198910274E45}"/>
+              </a:ext>
+            </a:extLst>
+          </p:cNvPr>
+          <p:cNvSpPr>
+            <a:spLocks noGrp="1"/>
+          </p:cNvSpPr>
+          <p:nvPr>
+            <p:ph type="sldNum" sz="quarter" idx="12"/>
+          </p:nvPr>
+        </p:nvSpPr>
+        <p:spPr/>
+        <p:txBody>
+          <a:bodyPr/>
+          <a:lstStyle/>
+          <a:p>
+            <a:pPr>
+              <a:defRPr/>
+            </a:pPr>
+            <a:r>
+              <a:rPr lang="en-US" altLang="ja-JP"/>
+              <a:t>    </a:t>
+            </a:r>
+            <a:fld id="{B2782DEB-472A-4FE5-AC34-C17109CF5A91}" type="slidenum">
+              <a:rPr lang="en-US" altLang="ja-JP" smtClean="0"/>
+              <a:pPr>
+                <a:defRPr/>
+              </a:pPr>
+              <a:t>6</a:t>
+            </a:fld>
+            <a:r>
+              <a:rPr lang="en-US" altLang="ja-JP"/>
+              <a:t> / 24</a:t>
+            </a:r>
+          </a:p>
+        </p:txBody>
+      </p:sp>
     </p:spTree>
     <p:extLst>
       <p:ext uri="{BB962C8B-B14F-4D97-AF65-F5344CB8AC3E}">
@@ -8213,48 +8213,6 @@
       </p:sp>
       <p:sp>
         <p:nvSpPr>
-          <p:cNvPr id="3" name="スライド番号プレースホルダー 2">
-            <a:extLst>
-              <a:ext uri="{FF2B5EF4-FFF2-40B4-BE49-F238E27FC236}">
-                <a16:creationId xmlns:a16="http://schemas.microsoft.com/office/drawing/2014/main" id="{40636654-53FC-454C-BE1F-7FEF842A5670}"/>
-              </a:ext>
-            </a:extLst>
-          </p:cNvPr>
-          <p:cNvSpPr>
-            <a:spLocks noGrp="1"/>
-          </p:cNvSpPr>
-          <p:nvPr>
-            <p:ph type="sldNum" sz="quarter" idx="12"/>
-          </p:nvPr>
-        </p:nvSpPr>
-        <p:spPr/>
-        <p:txBody>
-          <a:bodyPr/>
-          <a:lstStyle/>
-          <a:p>
-            <a:pPr>
-              <a:defRPr/>
-            </a:pPr>
-            <a:r>
-              <a:rPr lang="en-US" altLang="ja-JP"/>
-              <a:t>    </a:t>
-            </a:r>
-            <a:fld id="{B2782DEB-472A-4FE5-AC34-C17109CF5A91}" type="slidenum">
-              <a:rPr lang="en-US" altLang="ja-JP" smtClean="0"/>
-              <a:pPr>
-                <a:defRPr/>
-              </a:pPr>
-              <a:t>7</a:t>
-            </a:fld>
-            <a:r>
-              <a:rPr lang="en-US" altLang="ja-JP"/>
-              <a:t> / 69</a:t>
-            </a:r>
-          </a:p>
-        </p:txBody>
-      </p:sp>
-      <p:sp>
-        <p:nvSpPr>
           <p:cNvPr id="4" name="タイトル 3">
             <a:extLst>
               <a:ext uri="{FF2B5EF4-FFF2-40B4-BE49-F238E27FC236}">
@@ -8317,6 +8275,48 @@
           </a:prstGeom>
         </p:spPr>
       </p:pic>
+      <p:sp>
+        <p:nvSpPr>
+          <p:cNvPr id="5" name="スライド番号プレースホルダー 4">
+            <a:extLst>
+              <a:ext uri="{FF2B5EF4-FFF2-40B4-BE49-F238E27FC236}">
+                <a16:creationId xmlns:a16="http://schemas.microsoft.com/office/drawing/2014/main" id="{CDB73E51-02D7-4453-AA0B-E7A0965B77B6}"/>
+              </a:ext>
+            </a:extLst>
+          </p:cNvPr>
+          <p:cNvSpPr>
+            <a:spLocks noGrp="1"/>
+          </p:cNvSpPr>
+          <p:nvPr>
+            <p:ph type="sldNum" sz="quarter" idx="12"/>
+          </p:nvPr>
+        </p:nvSpPr>
+        <p:spPr/>
+        <p:txBody>
+          <a:bodyPr/>
+          <a:lstStyle/>
+          <a:p>
+            <a:pPr>
+              <a:defRPr/>
+            </a:pPr>
+            <a:r>
+              <a:rPr lang="en-US" altLang="ja-JP"/>
+              <a:t>    </a:t>
+            </a:r>
+            <a:fld id="{B2782DEB-472A-4FE5-AC34-C17109CF5A91}" type="slidenum">
+              <a:rPr lang="en-US" altLang="ja-JP" smtClean="0"/>
+              <a:pPr>
+                <a:defRPr/>
+              </a:pPr>
+              <a:t>7</a:t>
+            </a:fld>
+            <a:r>
+              <a:rPr lang="en-US" altLang="ja-JP"/>
+              <a:t> / 24</a:t>
+            </a:r>
+          </a:p>
+        </p:txBody>
+      </p:sp>
     </p:spTree>
     <p:extLst>
       <p:ext uri="{BB962C8B-B14F-4D97-AF65-F5344CB8AC3E}">
@@ -8511,48 +8511,6 @@
       </p:sp>
       <p:sp>
         <p:nvSpPr>
-          <p:cNvPr id="3" name="スライド番号プレースホルダー 2">
-            <a:extLst>
-              <a:ext uri="{FF2B5EF4-FFF2-40B4-BE49-F238E27FC236}">
-                <a16:creationId xmlns:a16="http://schemas.microsoft.com/office/drawing/2014/main" id="{87354792-D6C7-44D7-8E55-600327FC273D}"/>
-              </a:ext>
-            </a:extLst>
-          </p:cNvPr>
-          <p:cNvSpPr>
-            <a:spLocks noGrp="1"/>
-          </p:cNvSpPr>
-          <p:nvPr>
-            <p:ph type="sldNum" sz="quarter" idx="12"/>
-          </p:nvPr>
-        </p:nvSpPr>
-        <p:spPr/>
-        <p:txBody>
-          <a:bodyPr/>
-          <a:lstStyle/>
-          <a:p>
-            <a:pPr>
-              <a:defRPr/>
-            </a:pPr>
-            <a:r>
-              <a:rPr lang="en-US" altLang="ja-JP"/>
-              <a:t>    </a:t>
-            </a:r>
-            <a:fld id="{B2782DEB-472A-4FE5-AC34-C17109CF5A91}" type="slidenum">
-              <a:rPr lang="en-US" altLang="ja-JP" smtClean="0"/>
-              <a:pPr>
-                <a:defRPr/>
-              </a:pPr>
-              <a:t>8</a:t>
-            </a:fld>
-            <a:r>
-              <a:rPr lang="en-US" altLang="ja-JP"/>
-              <a:t> / 69</a:t>
-            </a:r>
-          </a:p>
-        </p:txBody>
-      </p:sp>
-      <p:sp>
-        <p:nvSpPr>
           <p:cNvPr id="4" name="タイトル 3">
             <a:extLst>
               <a:ext uri="{FF2B5EF4-FFF2-40B4-BE49-F238E27FC236}">
@@ -8616,6 +8574,48 @@
           </a:prstGeom>
         </p:spPr>
       </p:pic>
+      <p:sp>
+        <p:nvSpPr>
+          <p:cNvPr id="5" name="スライド番号プレースホルダー 4">
+            <a:extLst>
+              <a:ext uri="{FF2B5EF4-FFF2-40B4-BE49-F238E27FC236}">
+                <a16:creationId xmlns:a16="http://schemas.microsoft.com/office/drawing/2014/main" id="{5A02605F-3B7C-4FD3-BBFB-BD1FEF22191A}"/>
+              </a:ext>
+            </a:extLst>
+          </p:cNvPr>
+          <p:cNvSpPr>
+            <a:spLocks noGrp="1"/>
+          </p:cNvSpPr>
+          <p:nvPr>
+            <p:ph type="sldNum" sz="quarter" idx="12"/>
+          </p:nvPr>
+        </p:nvSpPr>
+        <p:spPr/>
+        <p:txBody>
+          <a:bodyPr/>
+          <a:lstStyle/>
+          <a:p>
+            <a:pPr>
+              <a:defRPr/>
+            </a:pPr>
+            <a:r>
+              <a:rPr lang="en-US" altLang="ja-JP"/>
+              <a:t>    </a:t>
+            </a:r>
+            <a:fld id="{B2782DEB-472A-4FE5-AC34-C17109CF5A91}" type="slidenum">
+              <a:rPr lang="en-US" altLang="ja-JP" smtClean="0"/>
+              <a:pPr>
+                <a:defRPr/>
+              </a:pPr>
+              <a:t>8</a:t>
+            </a:fld>
+            <a:r>
+              <a:rPr lang="en-US" altLang="ja-JP"/>
+              <a:t> / 24</a:t>
+            </a:r>
+          </a:p>
+        </p:txBody>
+      </p:sp>
     </p:spTree>
     <p:extLst>
       <p:ext uri="{BB962C8B-B14F-4D97-AF65-F5344CB8AC3E}">
@@ -8811,48 +8811,6 @@
       </p:sp>
       <p:sp>
         <p:nvSpPr>
-          <p:cNvPr id="3" name="スライド番号プレースホルダー 2">
-            <a:extLst>
-              <a:ext uri="{FF2B5EF4-FFF2-40B4-BE49-F238E27FC236}">
-                <a16:creationId xmlns:a16="http://schemas.microsoft.com/office/drawing/2014/main" id="{25BC8C48-033F-4FEB-B42E-4B148B76F70E}"/>
-              </a:ext>
-            </a:extLst>
-          </p:cNvPr>
-          <p:cNvSpPr>
-            <a:spLocks noGrp="1"/>
-          </p:cNvSpPr>
-          <p:nvPr>
-            <p:ph type="sldNum" sz="quarter" idx="12"/>
-          </p:nvPr>
-        </p:nvSpPr>
-        <p:spPr/>
-        <p:txBody>
-          <a:bodyPr/>
-          <a:lstStyle/>
-          <a:p>
-            <a:pPr>
-              <a:defRPr/>
-            </a:pPr>
-            <a:r>
-              <a:rPr lang="en-US" altLang="ja-JP"/>
-              <a:t>    </a:t>
-            </a:r>
-            <a:fld id="{B2782DEB-472A-4FE5-AC34-C17109CF5A91}" type="slidenum">
-              <a:rPr lang="en-US" altLang="ja-JP" smtClean="0"/>
-              <a:pPr>
-                <a:defRPr/>
-              </a:pPr>
-              <a:t>9</a:t>
-            </a:fld>
-            <a:r>
-              <a:rPr lang="en-US" altLang="ja-JP"/>
-              <a:t> / 69</a:t>
-            </a:r>
-          </a:p>
-        </p:txBody>
-      </p:sp>
-      <p:sp>
-        <p:nvSpPr>
           <p:cNvPr id="4" name="タイトル 3">
             <a:extLst>
               <a:ext uri="{FF2B5EF4-FFF2-40B4-BE49-F238E27FC236}">
@@ -8924,6 +8882,48 @@
           </a:prstGeom>
         </p:spPr>
       </p:pic>
+      <p:sp>
+        <p:nvSpPr>
+          <p:cNvPr id="5" name="スライド番号プレースホルダー 4">
+            <a:extLst>
+              <a:ext uri="{FF2B5EF4-FFF2-40B4-BE49-F238E27FC236}">
+                <a16:creationId xmlns:a16="http://schemas.microsoft.com/office/drawing/2014/main" id="{9669FF06-3635-4D20-8EB7-FEA160D5254D}"/>
+              </a:ext>
+            </a:extLst>
+          </p:cNvPr>
+          <p:cNvSpPr>
+            <a:spLocks noGrp="1"/>
+          </p:cNvSpPr>
+          <p:nvPr>
+            <p:ph type="sldNum" sz="quarter" idx="12"/>
+          </p:nvPr>
+        </p:nvSpPr>
+        <p:spPr/>
+        <p:txBody>
+          <a:bodyPr/>
+          <a:lstStyle/>
+          <a:p>
+            <a:pPr>
+              <a:defRPr/>
+            </a:pPr>
+            <a:r>
+              <a:rPr lang="en-US" altLang="ja-JP"/>
+              <a:t>    </a:t>
+            </a:r>
+            <a:fld id="{B2782DEB-472A-4FE5-AC34-C17109CF5A91}" type="slidenum">
+              <a:rPr lang="en-US" altLang="ja-JP" smtClean="0"/>
+              <a:pPr>
+                <a:defRPr/>
+              </a:pPr>
+              <a:t>9</a:t>
+            </a:fld>
+            <a:r>
+              <a:rPr lang="en-US" altLang="ja-JP"/>
+              <a:t> / 24</a:t>
+            </a:r>
+          </a:p>
+        </p:txBody>
+      </p:sp>
     </p:spTree>
     <p:extLst>
       <p:ext uri="{BB962C8B-B14F-4D97-AF65-F5344CB8AC3E}">

--- a/lec/anninbon4.pptx
+++ b/lec/anninbon4.pptx
@@ -5329,8 +5329,8 @@
           <a:chExt cx="0" cy="0"/>
         </a:xfrm>
       </p:grpSpPr>
-      <mc:AlternateContent xmlns:mc="http://schemas.openxmlformats.org/markup-compatibility/2006" xmlns:a14="http://schemas.microsoft.com/office/drawing/2010/main">
-        <mc:Choice Requires="a14">
+      <mc:AlternateContent xmlns:mc="http://schemas.openxmlformats.org/markup-compatibility/2006">
+        <mc:Choice xmlns:a14="http://schemas.microsoft.com/office/drawing/2010/main" Requires="a14">
           <p:sp>
             <p:nvSpPr>
               <p:cNvPr id="2" name="コンテンツ プレースホルダー 1">
@@ -5366,11 +5366,11 @@
                 <a:pPr lvl="1"/>
                 <a:r>
                   <a:rPr kumimoji="1" lang="ja-JP" altLang="en-US"/>
-                  <a:t>データブロック</a:t>
+                  <a:t>データユニット</a:t>
                 </a:r>
                 <a:r>
                   <a:rPr kumimoji="1" lang="en-US" altLang="ja-JP"/>
-                  <a:t>(e.g., 512bit)</a:t>
+                  <a:t>(e.g., 512byte)</a:t>
                 </a:r>
                 <a:r>
                   <a:rPr kumimoji="1" lang="ja-JP" altLang="en-US"/>
@@ -5519,6 +5519,30 @@
                 <a:endParaRPr lang="en-US" altLang="ja-JP"/>
               </a:p>
               <a:p>
+                <a:pPr lvl="2"/>
+                <a:r>
+                  <a:rPr lang="ja-JP" altLang="en-US"/>
+                  <a:t>平文サイズ</a:t>
+                </a:r>
+                <a:r>
+                  <a:rPr lang="en-US" altLang="ja-JP"/>
+                  <a:t>=</a:t>
+                </a:r>
+                <a:r>
+                  <a:rPr lang="ja-JP" altLang="en-US"/>
+                  <a:t>暗号文サイズが望ましい（ナンスや</a:t>
+                </a:r>
+                <a:r>
+                  <a:rPr lang="en-US" altLang="ja-JP"/>
+                  <a:t>IV</a:t>
+                </a:r>
+                <a:r>
+                  <a:rPr lang="ja-JP" altLang="en-US"/>
+                  <a:t>無し）</a:t>
+                </a:r>
+                <a:endParaRPr lang="en-US" altLang="ja-JP"/>
+              </a:p>
+              <a:p>
                 <a:r>
                   <a:rPr lang="ja-JP" altLang="en-US"/>
                   <a:t>注意</a:t>
@@ -5599,14 +5623,7 @@
                 </a:r>
                 <a:r>
                   <a:rPr lang="ja-JP" altLang="en-US"/>
-                  <a:t>が同じなら同じデータブロックを暗号化すると</a:t>
-                </a:r>
-                <a:br>
-                  <a:rPr lang="en-US" altLang="ja-JP"/>
-                </a:br>
-                <a:r>
-                  <a:rPr lang="ja-JP" altLang="en-US"/>
-                  <a:t>同じ暗号文</a:t>
+                  <a:t>が固定なら同じユニットを暗号化すると同じ暗号文</a:t>
                 </a:r>
                 <a:endParaRPr lang="en-US" altLang="ja-JP"/>
               </a:p>
@@ -5662,7 +5679,7 @@
                 <a:endParaRPr lang="en-US" altLang="ja-JP"/>
               </a:p>
               <a:p>
-                <a:pPr lvl="1"/>
+                <a:pPr lvl="2"/>
                 <a:r>
                   <a:rPr lang="en-US" altLang="ja-JP"/>
                   <a:t>CBC</a:t>
@@ -5676,7 +5693,7 @@
             </p:txBody>
           </p:sp>
         </mc:Choice>
-        <mc:Fallback xmlns="">
+        <mc:Fallback>
           <p:sp>
             <p:nvSpPr>
               <p:cNvPr id="2" name="コンテンツ プレースホルダー 1">
@@ -5697,7 +5714,7 @@
               <a:blipFill>
                 <a:blip r:embed="rId3"/>
                 <a:stretch>
-                  <a:fillRect l="-1200" t="-1454" b="-2181"/>
+                  <a:fillRect l="-1200" t="-1454" b="-3427"/>
                 </a:stretch>
               </a:blipFill>
             </p:spPr>

--- a/lec/anninbon4.pptx
+++ b/lec/anninbon4.pptx
@@ -5382,7 +5382,7 @@
                 <a:pPr lvl="1"/>
                 <a:r>
                   <a:rPr lang="en-US" altLang="ja-JP"/>
-                  <a:t>Bitlocer</a:t>
+                  <a:t>Bitlocker</a:t>
                 </a:r>
                 <a:r>
                   <a:rPr lang="ja-JP" altLang="en-US"/>
